--- a/TCC/PTCC/Outros/cadastroCondMind.pptx
+++ b/TCC/PTCC/Outros/cadastroCondMind.pptx
@@ -6,7 +6,7 @@
   </p:sldMasterIdLst>
   <p:sldIdLst>
     <p:sldId id="257" r:id="rId2"/>
-    <p:sldId id="256" r:id="rId3"/>
+    <p:sldId id="258" r:id="rId3"/>
   </p:sldIdLst>
   <p:sldSz cx="12192000" cy="6858000"/>
   <p:notesSz cx="6858000" cy="9144000"/>
@@ -105,6 +105,11 @@
       </a:defRPr>
     </a:lvl9pPr>
   </p:defaultTextStyle>
+  <p:extLst>
+    <p:ext uri="{EFAFB233-063F-42B5-8137-9DF3F51BA10A}">
+      <p15:sldGuideLst xmlns:p15="http://schemas.microsoft.com/office/powerpoint/2012/main"/>
+    </p:ext>
+  </p:extLst>
 </p:presentation>
 </file>
 
@@ -255,7 +260,7 @@
           <a:p>
             <a:fld id="{C9CAA080-C808-4FDC-835D-7712251C93CF}" type="datetimeFigureOut">
               <a:rPr lang="pt-BR" smtClean="0"/>
-              <a:t>26/05/2023</a:t>
+              <a:t>31/05/2023</a:t>
             </a:fld>
             <a:endParaRPr lang="pt-BR"/>
           </a:p>
@@ -453,7 +458,7 @@
           <a:p>
             <a:fld id="{C9CAA080-C808-4FDC-835D-7712251C93CF}" type="datetimeFigureOut">
               <a:rPr lang="pt-BR" smtClean="0"/>
-              <a:t>26/05/2023</a:t>
+              <a:t>31/05/2023</a:t>
             </a:fld>
             <a:endParaRPr lang="pt-BR"/>
           </a:p>
@@ -661,7 +666,7 @@
           <a:p>
             <a:fld id="{C9CAA080-C808-4FDC-835D-7712251C93CF}" type="datetimeFigureOut">
               <a:rPr lang="pt-BR" smtClean="0"/>
-              <a:t>26/05/2023</a:t>
+              <a:t>31/05/2023</a:t>
             </a:fld>
             <a:endParaRPr lang="pt-BR"/>
           </a:p>
@@ -859,7 +864,7 @@
           <a:p>
             <a:fld id="{C9CAA080-C808-4FDC-835D-7712251C93CF}" type="datetimeFigureOut">
               <a:rPr lang="pt-BR" smtClean="0"/>
-              <a:t>26/05/2023</a:t>
+              <a:t>31/05/2023</a:t>
             </a:fld>
             <a:endParaRPr lang="pt-BR"/>
           </a:p>
@@ -1134,7 +1139,7 @@
           <a:p>
             <a:fld id="{C9CAA080-C808-4FDC-835D-7712251C93CF}" type="datetimeFigureOut">
               <a:rPr lang="pt-BR" smtClean="0"/>
-              <a:t>26/05/2023</a:t>
+              <a:t>31/05/2023</a:t>
             </a:fld>
             <a:endParaRPr lang="pt-BR"/>
           </a:p>
@@ -1399,7 +1404,7 @@
           <a:p>
             <a:fld id="{C9CAA080-C808-4FDC-835D-7712251C93CF}" type="datetimeFigureOut">
               <a:rPr lang="pt-BR" smtClean="0"/>
-              <a:t>26/05/2023</a:t>
+              <a:t>31/05/2023</a:t>
             </a:fld>
             <a:endParaRPr lang="pt-BR"/>
           </a:p>
@@ -1811,7 +1816,7 @@
           <a:p>
             <a:fld id="{C9CAA080-C808-4FDC-835D-7712251C93CF}" type="datetimeFigureOut">
               <a:rPr lang="pt-BR" smtClean="0"/>
-              <a:t>26/05/2023</a:t>
+              <a:t>31/05/2023</a:t>
             </a:fld>
             <a:endParaRPr lang="pt-BR"/>
           </a:p>
@@ -1952,7 +1957,7 @@
           <a:p>
             <a:fld id="{C9CAA080-C808-4FDC-835D-7712251C93CF}" type="datetimeFigureOut">
               <a:rPr lang="pt-BR" smtClean="0"/>
-              <a:t>26/05/2023</a:t>
+              <a:t>31/05/2023</a:t>
             </a:fld>
             <a:endParaRPr lang="pt-BR"/>
           </a:p>
@@ -2065,7 +2070,7 @@
           <a:p>
             <a:fld id="{C9CAA080-C808-4FDC-835D-7712251C93CF}" type="datetimeFigureOut">
               <a:rPr lang="pt-BR" smtClean="0"/>
-              <a:t>26/05/2023</a:t>
+              <a:t>31/05/2023</a:t>
             </a:fld>
             <a:endParaRPr lang="pt-BR"/>
           </a:p>
@@ -2376,7 +2381,7 @@
           <a:p>
             <a:fld id="{C9CAA080-C808-4FDC-835D-7712251C93CF}" type="datetimeFigureOut">
               <a:rPr lang="pt-BR" smtClean="0"/>
-              <a:t>26/05/2023</a:t>
+              <a:t>31/05/2023</a:t>
             </a:fld>
             <a:endParaRPr lang="pt-BR"/>
           </a:p>
@@ -2664,7 +2669,7 @@
           <a:p>
             <a:fld id="{C9CAA080-C808-4FDC-835D-7712251C93CF}" type="datetimeFigureOut">
               <a:rPr lang="pt-BR" smtClean="0"/>
-              <a:t>26/05/2023</a:t>
+              <a:t>31/05/2023</a:t>
             </a:fld>
             <a:endParaRPr lang="pt-BR"/>
           </a:p>
@@ -2905,7 +2910,7 @@
           <a:p>
             <a:fld id="{C9CAA080-C808-4FDC-835D-7712251C93CF}" type="datetimeFigureOut">
               <a:rPr lang="pt-BR" smtClean="0"/>
-              <a:t>26/05/2023</a:t>
+              <a:t>31/05/2023</a:t>
             </a:fld>
             <a:endParaRPr lang="pt-BR"/>
           </a:p>
@@ -3357,6 +3362,9 @@
             <a:lin ang="6600000" scaled="0"/>
             <a:tileRect/>
           </a:gradFill>
+          <a:ln>
+            <a:noFill/>
+          </a:ln>
         </p:spPr>
         <p:style>
           <a:lnRef idx="2">
@@ -3379,16 +3387,16 @@
           <a:lstStyle/>
           <a:p>
             <a:pPr algn="ctr"/>
-            <a:endParaRPr lang="pt-BR"/>
+            <a:endParaRPr lang="pt-BR" dirty="0"/>
           </a:p>
         </p:txBody>
       </p:sp>
       <p:grpSp>
         <p:nvGrpSpPr>
-          <p:cNvPr id="20" name="Agrupar 19">
-            <a:extLst>
-              <a:ext uri="{FF2B5EF4-FFF2-40B4-BE49-F238E27FC236}">
-                <a16:creationId xmlns:a16="http://schemas.microsoft.com/office/drawing/2014/main" id="{AB84FD58-AEEE-C06F-46F5-BD54538F4D06}"/>
+          <p:cNvPr id="9" name="Agrupar 8">
+            <a:extLst>
+              <a:ext uri="{FF2B5EF4-FFF2-40B4-BE49-F238E27FC236}">
+                <a16:creationId xmlns:a16="http://schemas.microsoft.com/office/drawing/2014/main" id="{7A39C2CB-DE03-EF19-29DE-5EAA69E0C667}"/>
               </a:ext>
             </a:extLst>
           </p:cNvPr>
@@ -3397,18 +3405,72 @@
         </p:nvGrpSpPr>
         <p:grpSpPr>
           <a:xfrm>
-            <a:off x="264034" y="1183545"/>
-            <a:ext cx="6558489" cy="4998066"/>
-            <a:chOff x="197359" y="1103054"/>
-            <a:chExt cx="6558489" cy="4998066"/>
+            <a:off x="-81025" y="1207315"/>
+            <a:ext cx="7499653" cy="5557021"/>
+            <a:chOff x="-426721" y="989201"/>
+            <a:chExt cx="8328813" cy="6171404"/>
           </a:xfrm>
         </p:grpSpPr>
         <p:sp>
           <p:nvSpPr>
-            <p:cNvPr id="14" name="Retângulo: Cantos Arredondados 13">
+            <p:cNvPr id="6" name="Retângulo: Cantos Arredondados 5">
               <a:extLst>
                 <a:ext uri="{FF2B5EF4-FFF2-40B4-BE49-F238E27FC236}">
-                  <a16:creationId xmlns:a16="http://schemas.microsoft.com/office/drawing/2014/main" id="{6899CCDB-710B-AF2E-3190-FA3C9B3B218B}"/>
+                  <a16:creationId xmlns:a16="http://schemas.microsoft.com/office/drawing/2014/main" id="{62DF241A-8638-C346-857F-F1B6CDF952CC}"/>
+                </a:ext>
+              </a:extLst>
+            </p:cNvPr>
+            <p:cNvSpPr/>
+            <p:nvPr/>
+          </p:nvSpPr>
+          <p:spPr>
+            <a:xfrm rot="1726507">
+              <a:off x="2097191" y="4776342"/>
+              <a:ext cx="2383869" cy="1110650"/>
+            </a:xfrm>
+            <a:prstGeom prst="roundRect">
+              <a:avLst>
+                <a:gd name="adj" fmla="val 13460"/>
+              </a:avLst>
+            </a:prstGeom>
+            <a:solidFill>
+              <a:srgbClr val="F8F9FA"/>
+            </a:solidFill>
+            <a:ln>
+              <a:noFill/>
+            </a:ln>
+          </p:spPr>
+          <p:style>
+            <a:lnRef idx="2">
+              <a:schemeClr val="accent1">
+                <a:shade val="50000"/>
+              </a:schemeClr>
+            </a:lnRef>
+            <a:fillRef idx="1">
+              <a:schemeClr val="accent1"/>
+            </a:fillRef>
+            <a:effectRef idx="0">
+              <a:schemeClr val="accent1"/>
+            </a:effectRef>
+            <a:fontRef idx="minor">
+              <a:schemeClr val="lt1"/>
+            </a:fontRef>
+          </p:style>
+          <p:txBody>
+            <a:bodyPr rtlCol="0" anchor="ctr"/>
+            <a:lstStyle/>
+            <a:p>
+              <a:pPr algn="ctr"/>
+              <a:endParaRPr lang="pt-BR"/>
+            </a:p>
+          </p:txBody>
+        </p:sp>
+        <p:sp>
+          <p:nvSpPr>
+            <p:cNvPr id="3" name="Retângulo: Cantos Arredondados 2">
+              <a:extLst>
+                <a:ext uri="{FF2B5EF4-FFF2-40B4-BE49-F238E27FC236}">
+                  <a16:creationId xmlns:a16="http://schemas.microsoft.com/office/drawing/2014/main" id="{7E8C7AB6-AADD-6A78-A788-F5970EA739C2}"/>
                 </a:ext>
               </a:extLst>
             </p:cNvPr>
@@ -3417,8 +3479,8 @@
           </p:nvSpPr>
           <p:spPr>
             <a:xfrm rot="1611771">
-              <a:off x="3494566" y="1831498"/>
-              <a:ext cx="1936948" cy="269560"/>
+              <a:off x="3760497" y="1888654"/>
+              <a:ext cx="2459786" cy="332842"/>
             </a:xfrm>
             <a:prstGeom prst="roundRect">
               <a:avLst>
@@ -3426,7 +3488,7 @@
               </a:avLst>
             </a:prstGeom>
             <a:solidFill>
-              <a:schemeClr val="bg1"/>
+              <a:srgbClr val="1484FC"/>
             </a:solidFill>
             <a:ln>
               <a:noFill/>
@@ -3462,10 +3524,10 @@
         </p:sp>
         <p:pic>
           <p:nvPicPr>
-            <p:cNvPr id="13" name="Imagem 12">
+            <p:cNvPr id="4" name="Imagem 3">
               <a:extLst>
                 <a:ext uri="{FF2B5EF4-FFF2-40B4-BE49-F238E27FC236}">
-                  <a16:creationId xmlns:a16="http://schemas.microsoft.com/office/drawing/2014/main" id="{071ED01D-2C65-94EA-4453-5AE657B43AD9}"/>
+                  <a16:creationId xmlns:a16="http://schemas.microsoft.com/office/drawing/2014/main" id="{BC9B6B92-ECDA-B2CC-A1FC-9103ABFCAF9B}"/>
                 </a:ext>
               </a:extLst>
             </p:cNvPr>
@@ -3476,13 +3538,13 @@
           </p:nvPicPr>
           <p:blipFill rotWithShape="1">
             <a:blip r:embed="rId2"/>
-            <a:srcRect l="6308" r="4661"/>
+            <a:srcRect t="697" b="10162"/>
             <a:stretch/>
           </p:blipFill>
           <p:spPr>
-            <a:xfrm rot="1619521">
-              <a:off x="2744243" y="1885254"/>
-              <a:ext cx="1876621" cy="3293711"/>
+            <a:xfrm rot="1633361">
+              <a:off x="2878149" y="1872789"/>
+              <a:ext cx="2419527" cy="3713258"/>
             </a:xfrm>
             <a:prstGeom prst="rect">
               <a:avLst/>
@@ -3491,10 +3553,10 @@
         </p:pic>
         <p:pic>
           <p:nvPicPr>
-            <p:cNvPr id="12" name="Imagem 11">
+            <p:cNvPr id="5" name="Imagem 4">
               <a:extLst>
                 <a:ext uri="{FF2B5EF4-FFF2-40B4-BE49-F238E27FC236}">
-                  <a16:creationId xmlns:a16="http://schemas.microsoft.com/office/drawing/2014/main" id="{5255D1CB-DAD3-01C8-AE82-B602B256892F}"/>
+                  <a16:creationId xmlns:a16="http://schemas.microsoft.com/office/drawing/2014/main" id="{45E3AE97-9D49-2F74-EE3A-FCBA7121105B}"/>
                 </a:ext>
               </a:extLst>
             </p:cNvPr>
@@ -3511,8 +3573,8 @@
           </p:blipFill>
           <p:spPr>
             <a:xfrm rot="1249275" flipH="1">
-              <a:off x="197359" y="1103054"/>
-              <a:ext cx="6558489" cy="4998066"/>
+              <a:off x="-426721" y="989201"/>
+              <a:ext cx="8328813" cy="6171404"/>
             </a:xfrm>
             <a:prstGeom prst="rect">
               <a:avLst/>
@@ -3534,13 +3596,34 @@
         </p:nvSpPr>
         <p:spPr>
           <a:xfrm>
-            <a:off x="2617654" y="1087070"/>
-            <a:ext cx="6858000" cy="338554"/>
+            <a:off x="3965611" y="6436824"/>
+            <a:ext cx="5498942" cy="340350"/>
           </a:xfrm>
           <a:prstGeom prst="rect">
             <a:avLst/>
           </a:prstGeom>
           <a:noFill/>
+          <a:ln>
+            <a:noFill/>
+          </a:ln>
+          <a:effectLst>
+            <a:outerShdw blurRad="44450" dist="27940" dir="5400000" algn="ctr">
+              <a:srgbClr val="000000">
+                <a:alpha val="32000"/>
+              </a:srgbClr>
+            </a:outerShdw>
+          </a:effectLst>
+          <a:scene3d>
+            <a:camera prst="orthographicFront">
+              <a:rot lat="0" lon="0" rev="0"/>
+            </a:camera>
+            <a:lightRig rig="balanced" dir="t">
+              <a:rot lat="0" lon="0" rev="8700000"/>
+            </a:lightRig>
+          </a:scene3d>
+          <a:sp3d>
+            <a:bevelT w="190500" h="38100"/>
+          </a:sp3d>
         </p:spPr>
         <p:txBody>
           <a:bodyPr wrap="square">
@@ -3562,27 +3645,7 @@
                 <a:latin typeface="Montserrat" pitchFamily="2" charset="0"/>
                 <a:ea typeface="Segoe UI Black" panose="020B0A02040204020203" pitchFamily="34" charset="0"/>
               </a:rPr>
-              <a:t>Cadastre-se na </a:t>
-            </a:r>
-            <a:r>
-              <a:rPr lang="pt-BR" sz="2000" b="1" dirty="0" err="1">
-                <a:solidFill>
-                  <a:schemeClr val="bg1"/>
-                </a:solidFill>
-                <a:latin typeface="Montserrat" pitchFamily="2" charset="0"/>
-                <a:ea typeface="Segoe UI Black" panose="020B0A02040204020203" pitchFamily="34" charset="0"/>
-              </a:rPr>
-              <a:t>CondMind</a:t>
-            </a:r>
-            <a:r>
-              <a:rPr lang="pt-BR" sz="2000" b="1" dirty="0">
-                <a:solidFill>
-                  <a:schemeClr val="bg1"/>
-                </a:solidFill>
-                <a:latin typeface="Montserrat" pitchFamily="2" charset="0"/>
-                <a:ea typeface="Segoe UI Black" panose="020B0A02040204020203" pitchFamily="34" charset="0"/>
-              </a:rPr>
-              <a:t> e ajude o nosso TCC!</a:t>
+              <a:t>Cadastre-se, teste e ajude o nosso TCC!</a:t>
             </a:r>
             <a:endParaRPr lang="pt-BR" sz="3200" b="1" dirty="0">
               <a:solidFill>
@@ -3609,7 +3672,7 @@
         <p:spPr>
           <a:xfrm>
             <a:off x="2667000" y="317135"/>
-            <a:ext cx="6858000" cy="685444"/>
+            <a:ext cx="6858000" cy="667875"/>
           </a:xfrm>
           <a:prstGeom prst="rect">
             <a:avLst/>
@@ -3640,18 +3703,10 @@
           </a:lstStyle>
           <a:p>
             <a:r>
-              <a:rPr lang="pt-BR" sz="2400" dirty="0">
-                <a:latin typeface="Montserrat" pitchFamily="2" charset="0"/>
+              <a:rPr lang="pt-BR" sz="4400" dirty="0">
+                <a:latin typeface="Congenial" panose="02000503040000020004" pitchFamily="2" charset="0"/>
               </a:rPr>
-              <a:t>CONCORRA A 3 CAIXAS</a:t>
-            </a:r>
-          </a:p>
-          <a:p>
-            <a:r>
-              <a:rPr lang="pt-BR" sz="2400" dirty="0">
-                <a:latin typeface="Montserrat" pitchFamily="2" charset="0"/>
-              </a:rPr>
-              <a:t>DE BOMBOM!</a:t>
+              <a:t>CHEGOU A CONDMIND!</a:t>
             </a:r>
           </a:p>
         </p:txBody>
@@ -3683,8 +3738,8 @@
         </p:blipFill>
         <p:spPr>
           <a:xfrm>
-            <a:off x="6388379" y="1986900"/>
-            <a:ext cx="1940434" cy="2065050"/>
+            <a:off x="6235979" y="2125408"/>
+            <a:ext cx="2619906" cy="2619906"/>
           </a:xfrm>
           <a:prstGeom prst="rect">
             <a:avLst/>
@@ -3705,13 +3760,34 @@
         </p:nvSpPr>
         <p:spPr>
           <a:xfrm>
-            <a:off x="5493758" y="4074903"/>
+            <a:off x="5737598" y="4852143"/>
             <a:ext cx="3729675" cy="830997"/>
           </a:xfrm>
           <a:prstGeom prst="rect">
             <a:avLst/>
           </a:prstGeom>
           <a:noFill/>
+          <a:ln>
+            <a:noFill/>
+          </a:ln>
+          <a:effectLst>
+            <a:outerShdw blurRad="44450" dist="27940" dir="5400000" algn="ctr">
+              <a:srgbClr val="000000">
+                <a:alpha val="32000"/>
+              </a:srgbClr>
+            </a:outerShdw>
+          </a:effectLst>
+          <a:scene3d>
+            <a:camera prst="orthographicFront">
+              <a:rot lat="0" lon="0" rev="0"/>
+            </a:camera>
+            <a:lightRig rig="balanced" dir="t">
+              <a:rot lat="0" lon="0" rev="8700000"/>
+            </a:lightRig>
+          </a:scene3d>
+          <a:sp3d>
+            <a:bevelT w="190500" h="38100"/>
+          </a:sp3d>
         </p:spPr>
         <p:txBody>
           <a:bodyPr wrap="none" rtlCol="0">
@@ -3744,10 +3820,10 @@
       </p:sp>
       <p:sp>
         <p:nvSpPr>
-          <p:cNvPr id="21" name="CaixaDeTexto 20">
-            <a:extLst>
-              <a:ext uri="{FF2B5EF4-FFF2-40B4-BE49-F238E27FC236}">
-                <a16:creationId xmlns:a16="http://schemas.microsoft.com/office/drawing/2014/main" id="{764A4FF0-D2B7-38B5-44CE-D0E7A60D8A1C}"/>
+          <p:cNvPr id="10" name="CaixaDeTexto 9">
+            <a:extLst>
+              <a:ext uri="{FF2B5EF4-FFF2-40B4-BE49-F238E27FC236}">
+                <a16:creationId xmlns:a16="http://schemas.microsoft.com/office/drawing/2014/main" id="{BAB74D5F-4723-FF40-A32B-6E706412F2FA}"/>
               </a:ext>
             </a:extLst>
           </p:cNvPr>
@@ -3756,8 +3832,8 @@
         </p:nvSpPr>
         <p:spPr>
           <a:xfrm>
-            <a:off x="2629476" y="6496992"/>
-            <a:ext cx="6816006" cy="338554"/>
+            <a:off x="4231163" y="888495"/>
+            <a:ext cx="3729675" cy="646331"/>
           </a:xfrm>
           <a:prstGeom prst="rect">
             <a:avLst/>
@@ -3770,54 +3846,15 @@
           </a:bodyPr>
           <a:lstStyle/>
           <a:p>
-            <a:pPr algn="just"/>
-            <a:r>
-              <a:rPr lang="pt-BR" sz="1600" dirty="0">
+            <a:pPr algn="ctr"/>
+            <a:r>
+              <a:rPr lang="pt-BR" dirty="0">
                 <a:solidFill>
-                  <a:schemeClr val="bg1"/>
+                  <a:srgbClr val="F8F9FA"/>
                 </a:solidFill>
+                <a:latin typeface="Montserrat" pitchFamily="2" charset="0"/>
               </a:rPr>
-              <a:t>Regras sobre a participação no post ao lado*</a:t>
-            </a:r>
-          </a:p>
-        </p:txBody>
-      </p:sp>
-      <p:sp>
-        <p:nvSpPr>
-          <p:cNvPr id="22" name="CaixaDeTexto 21">
-            <a:extLst>
-              <a:ext uri="{FF2B5EF4-FFF2-40B4-BE49-F238E27FC236}">
-                <a16:creationId xmlns:a16="http://schemas.microsoft.com/office/drawing/2014/main" id="{D9D02C32-5419-84D8-2ABD-82DB7307382D}"/>
-              </a:ext>
-            </a:extLst>
-          </p:cNvPr>
-          <p:cNvSpPr txBox="1"/>
-          <p:nvPr/>
-        </p:nvSpPr>
-        <p:spPr>
-          <a:xfrm>
-            <a:off x="5493758" y="5014880"/>
-            <a:ext cx="3729675" cy="1384995"/>
-          </a:xfrm>
-          <a:prstGeom prst="rect">
-            <a:avLst/>
-          </a:prstGeom>
-          <a:noFill/>
-        </p:spPr>
-        <p:txBody>
-          <a:bodyPr wrap="square" rtlCol="0">
-            <a:spAutoFit/>
-          </a:bodyPr>
-          <a:lstStyle/>
-          <a:p>
-            <a:pPr algn="just"/>
-            <a:r>
-              <a:rPr lang="pt-BR" sz="1400" dirty="0">
-                <a:solidFill>
-                  <a:schemeClr val="bg1"/>
-                </a:solidFill>
-              </a:rPr>
-              <a:t>O nosso propósito com esta ação é testar a plataforma que criamos para o nosso Trabalho de Conclusão de curso (TCC). Todos os dados cadastrados são sigilosos e estarão seguros. Terão o único objetivo de serem usados para fins acadêmicos. Conforme a Lei nº 13.709/2018</a:t>
+              <a:t>CADASTRE-SE E CONCORRA A 1 CAIXA DE BOMBOM!</a:t>
             </a:r>
           </a:p>
         </p:txBody>
@@ -3838,6 +3875,14 @@
 <file path=ppt/slides/slide2.xml><?xml version="1.0" encoding="utf-8"?>
 <p:sld xmlns:a="http://schemas.openxmlformats.org/drawingml/2006/main" xmlns:r="http://schemas.openxmlformats.org/officeDocument/2006/relationships" xmlns:p="http://schemas.openxmlformats.org/presentationml/2006/main">
   <p:cSld>
+    <p:bg>
+      <p:bgPr>
+        <a:solidFill>
+          <a:schemeClr val="bg1"/>
+        </a:solidFill>
+        <a:effectLst/>
+      </p:bgPr>
+    </p:bg>
     <p:spTree>
       <p:nvGrpSpPr>
         <p:cNvPr id="1" name=""/>
@@ -3852,12 +3897,133 @@
           <a:chExt cx="0" cy="0"/>
         </a:xfrm>
       </p:grpSpPr>
+      <p:sp>
+        <p:nvSpPr>
+          <p:cNvPr id="9" name="Retângulo 8">
+            <a:extLst>
+              <a:ext uri="{FF2B5EF4-FFF2-40B4-BE49-F238E27FC236}">
+                <a16:creationId xmlns:a16="http://schemas.microsoft.com/office/drawing/2014/main" id="{2782AFAE-1C28-3C70-442D-A6C333693EFC}"/>
+              </a:ext>
+            </a:extLst>
+          </p:cNvPr>
+          <p:cNvSpPr/>
+          <p:nvPr/>
+        </p:nvSpPr>
+        <p:spPr>
+          <a:xfrm>
+            <a:off x="2648238" y="0"/>
+            <a:ext cx="6858000" cy="6858000"/>
+          </a:xfrm>
+          <a:prstGeom prst="rect">
+            <a:avLst/>
+          </a:prstGeom>
+          <a:gradFill flip="none" rotWithShape="1">
+            <a:gsLst>
+              <a:gs pos="97000">
+                <a:srgbClr val="CCD1A7"/>
+              </a:gs>
+              <a:gs pos="80000">
+                <a:srgbClr val="C5B4C2"/>
+              </a:gs>
+              <a:gs pos="0">
+                <a:srgbClr val="B571FF"/>
+              </a:gs>
+              <a:gs pos="100000">
+                <a:srgbClr val="D1E892"/>
+              </a:gs>
+            </a:gsLst>
+            <a:lin ang="5400000" scaled="1"/>
+            <a:tileRect/>
+          </a:gradFill>
+          <a:ln>
+            <a:noFill/>
+          </a:ln>
+        </p:spPr>
+        <p:style>
+          <a:lnRef idx="2">
+            <a:schemeClr val="accent1">
+              <a:shade val="50000"/>
+            </a:schemeClr>
+          </a:lnRef>
+          <a:fillRef idx="1">
+            <a:schemeClr val="accent1"/>
+          </a:fillRef>
+          <a:effectRef idx="0">
+            <a:schemeClr val="accent1"/>
+          </a:effectRef>
+          <a:fontRef idx="minor">
+            <a:schemeClr val="lt1"/>
+          </a:fontRef>
+        </p:style>
+        <p:txBody>
+          <a:bodyPr rtlCol="0" anchor="ctr"/>
+          <a:lstStyle/>
+          <a:p>
+            <a:pPr algn="ctr"/>
+            <a:endParaRPr lang="pt-BR" dirty="0"/>
+          </a:p>
+        </p:txBody>
+      </p:sp>
+      <p:sp>
+        <p:nvSpPr>
+          <p:cNvPr id="16" name="TextBox 23">
+            <a:extLst>
+              <a:ext uri="{FF2B5EF4-FFF2-40B4-BE49-F238E27FC236}">
+                <a16:creationId xmlns:a16="http://schemas.microsoft.com/office/drawing/2014/main" id="{AC489EC7-4FC3-3F85-9C08-46D228E8CA28}"/>
+              </a:ext>
+            </a:extLst>
+          </p:cNvPr>
+          <p:cNvSpPr txBox="1"/>
+          <p:nvPr/>
+        </p:nvSpPr>
+        <p:spPr>
+          <a:xfrm>
+            <a:off x="2667000" y="421307"/>
+            <a:ext cx="6858000" cy="667875"/>
+          </a:xfrm>
+          <a:prstGeom prst="rect">
+            <a:avLst/>
+          </a:prstGeom>
+          <a:noFill/>
+        </p:spPr>
+        <p:txBody>
+          <a:bodyPr wrap="square" rtlCol="0">
+            <a:spAutoFit/>
+          </a:bodyPr>
+          <a:lstStyle>
+            <a:defPPr>
+              <a:defRPr lang="pt-BR"/>
+            </a:defPPr>
+            <a:lvl1pPr lvl="0" algn="ctr">
+              <a:lnSpc>
+                <a:spcPct val="80000"/>
+              </a:lnSpc>
+              <a:defRPr sz="2000" b="1">
+                <a:solidFill>
+                  <a:schemeClr val="bg1"/>
+                </a:solidFill>
+                <a:latin typeface="Aharoni" panose="02010803020104030203" pitchFamily="2" charset="-79"/>
+                <a:ea typeface="STHupo" panose="02010800040101010101" pitchFamily="2" charset="-122"/>
+                <a:cs typeface="Aharoni" panose="02010803020104030203" pitchFamily="2" charset="-79"/>
+              </a:defRPr>
+            </a:lvl1pPr>
+          </a:lstStyle>
+          <a:p>
+            <a:r>
+              <a:rPr lang="pt-BR" sz="4400" dirty="0">
+                <a:latin typeface="Congenial" panose="02000503040000020004" pitchFamily="2" charset="0"/>
+              </a:rPr>
+              <a:t>CONHEÇA A SHANNON!</a:t>
+            </a:r>
+          </a:p>
+        </p:txBody>
+      </p:sp>
       <p:pic>
         <p:nvPicPr>
-          <p:cNvPr id="5" name="Imagem 4">
-            <a:extLst>
-              <a:ext uri="{FF2B5EF4-FFF2-40B4-BE49-F238E27FC236}">
-                <a16:creationId xmlns:a16="http://schemas.microsoft.com/office/drawing/2014/main" id="{A491C8F8-BDF3-8F17-3AAC-D24417AB9EC9}"/>
+          <p:cNvPr id="17" name="Imagem 16">
+            <a:extLst>
+              <a:ext uri="{FF2B5EF4-FFF2-40B4-BE49-F238E27FC236}">
+                <a16:creationId xmlns:a16="http://schemas.microsoft.com/office/drawing/2014/main" id="{5D2B36B5-2AD7-D1BB-B2C0-8C5AE22EE1D6}"/>
               </a:ext>
             </a:extLst>
           </p:cNvPr>
@@ -3867,25 +4033,361 @@
           <p:nvPr/>
         </p:nvPicPr>
         <p:blipFill>
-          <a:blip r:embed="rId2"/>
+          <a:blip r:embed="rId2">
+            <a:extLst>
+              <a:ext uri="{28A0092B-C50C-407E-A947-70E740481C1C}">
+                <a14:useLocalDpi xmlns:a14="http://schemas.microsoft.com/office/drawing/2010/main" val="0"/>
+              </a:ext>
+            </a:extLst>
+          </a:blip>
+          <a:srcRect/>
+          <a:stretch/>
+        </p:blipFill>
+        <p:spPr>
+          <a:xfrm>
+            <a:off x="6235979" y="2125408"/>
+            <a:ext cx="2619906" cy="2619906"/>
+          </a:xfrm>
+          <a:prstGeom prst="rect">
+            <a:avLst/>
+          </a:prstGeom>
+        </p:spPr>
+      </p:pic>
+      <p:sp>
+        <p:nvSpPr>
+          <p:cNvPr id="18" name="CaixaDeTexto 17">
+            <a:extLst>
+              <a:ext uri="{FF2B5EF4-FFF2-40B4-BE49-F238E27FC236}">
+                <a16:creationId xmlns:a16="http://schemas.microsoft.com/office/drawing/2014/main" id="{23DB8D1B-A309-46A9-CD26-85111D2077F5}"/>
+              </a:ext>
+            </a:extLst>
+          </p:cNvPr>
+          <p:cNvSpPr txBox="1"/>
+          <p:nvPr/>
+        </p:nvSpPr>
+        <p:spPr>
+          <a:xfrm>
+            <a:off x="5737598" y="4852143"/>
+            <a:ext cx="3729675" cy="830997"/>
+          </a:xfrm>
+          <a:prstGeom prst="rect">
+            <a:avLst/>
+          </a:prstGeom>
+          <a:noFill/>
+          <a:ln>
+            <a:noFill/>
+          </a:ln>
+          <a:effectLst>
+            <a:outerShdw blurRad="44450" dist="27940" dir="5400000" algn="ctr">
+              <a:srgbClr val="000000">
+                <a:alpha val="32000"/>
+              </a:srgbClr>
+            </a:outerShdw>
+          </a:effectLst>
+          <a:scene3d>
+            <a:camera prst="orthographicFront">
+              <a:rot lat="0" lon="0" rev="0"/>
+            </a:camera>
+            <a:lightRig rig="balanced" dir="t">
+              <a:rot lat="0" lon="0" rev="8700000"/>
+            </a:lightRig>
+          </a:scene3d>
+          <a:sp3d>
+            <a:bevelT w="190500" h="38100"/>
+          </a:sp3d>
+        </p:spPr>
+        <p:txBody>
+          <a:bodyPr wrap="none" rtlCol="0">
+            <a:spAutoFit/>
+          </a:bodyPr>
+          <a:lstStyle/>
+          <a:p>
+            <a:pPr algn="ctr"/>
+            <a:r>
+              <a:rPr lang="pt-BR" sz="2400" b="1" dirty="0">
+                <a:solidFill>
+                  <a:schemeClr val="bg1"/>
+                </a:solidFill>
+              </a:rPr>
+              <a:t>LEIA O QR CODE OU ACESSE</a:t>
+            </a:r>
+          </a:p>
+          <a:p>
+            <a:pPr algn="ctr"/>
+            <a:r>
+              <a:rPr lang="pt-BR" sz="2400" b="1" dirty="0">
+                <a:solidFill>
+                  <a:schemeClr val="bg1"/>
+                </a:solidFill>
+              </a:rPr>
+              <a:t>condmind.com.br</a:t>
+            </a:r>
+          </a:p>
+        </p:txBody>
+      </p:sp>
+      <p:sp>
+        <p:nvSpPr>
+          <p:cNvPr id="19" name="CaixaDeTexto 18">
+            <a:extLst>
+              <a:ext uri="{FF2B5EF4-FFF2-40B4-BE49-F238E27FC236}">
+                <a16:creationId xmlns:a16="http://schemas.microsoft.com/office/drawing/2014/main" id="{8FC0F02F-F9C0-87E9-4A20-654A4B34FF1D}"/>
+              </a:ext>
+            </a:extLst>
+          </p:cNvPr>
+          <p:cNvSpPr txBox="1"/>
+          <p:nvPr/>
+        </p:nvSpPr>
+        <p:spPr>
+          <a:xfrm>
+            <a:off x="4231162" y="1065480"/>
+            <a:ext cx="3729675" cy="369332"/>
+          </a:xfrm>
+          <a:prstGeom prst="rect">
+            <a:avLst/>
+          </a:prstGeom>
+          <a:noFill/>
+        </p:spPr>
+        <p:txBody>
+          <a:bodyPr wrap="square" rtlCol="0">
+            <a:spAutoFit/>
+          </a:bodyPr>
+          <a:lstStyle/>
+          <a:p>
+            <a:pPr algn="ctr"/>
+            <a:r>
+              <a:rPr lang="pt-BR" dirty="0">
+                <a:solidFill>
+                  <a:srgbClr val="F8F9FA"/>
+                </a:solidFill>
+                <a:latin typeface="Montserrat" pitchFamily="2" charset="0"/>
+              </a:rPr>
+              <a:t>ACESSE JÁ!</a:t>
+            </a:r>
+          </a:p>
+        </p:txBody>
+      </p:sp>
+      <p:grpSp>
+        <p:nvGrpSpPr>
+          <p:cNvPr id="20" name="Agrupar 19">
+            <a:extLst>
+              <a:ext uri="{FF2B5EF4-FFF2-40B4-BE49-F238E27FC236}">
+                <a16:creationId xmlns:a16="http://schemas.microsoft.com/office/drawing/2014/main" id="{EF99D736-389D-71CA-1E64-DB80B18EDA41}"/>
+              </a:ext>
+            </a:extLst>
+          </p:cNvPr>
+          <p:cNvGrpSpPr/>
+          <p:nvPr/>
+        </p:nvGrpSpPr>
+        <p:grpSpPr>
+          <a:xfrm rot="21383252">
+            <a:off x="-190888" y="1189067"/>
+            <a:ext cx="7438966" cy="5569050"/>
+            <a:chOff x="-4989442" y="-711995"/>
+            <a:chExt cx="14255337" cy="10138927"/>
+          </a:xfrm>
+        </p:grpSpPr>
+        <p:sp>
+          <p:nvSpPr>
+            <p:cNvPr id="21" name="Retângulo: Cantos Arredondados 20">
+              <a:extLst>
+                <a:ext uri="{FF2B5EF4-FFF2-40B4-BE49-F238E27FC236}">
+                  <a16:creationId xmlns:a16="http://schemas.microsoft.com/office/drawing/2014/main" id="{A9FB5CE3-443F-0894-0A09-616761CD3F9E}"/>
+                </a:ext>
+              </a:extLst>
+            </p:cNvPr>
+            <p:cNvSpPr/>
+            <p:nvPr/>
+          </p:nvSpPr>
+          <p:spPr>
+            <a:xfrm rot="1582636">
+              <a:off x="2048511" y="702843"/>
+              <a:ext cx="4018996" cy="1340386"/>
+            </a:xfrm>
+            <a:prstGeom prst="roundRect">
+              <a:avLst>
+                <a:gd name="adj" fmla="val 18391"/>
+              </a:avLst>
+            </a:prstGeom>
+            <a:solidFill>
+              <a:srgbClr val="B571FF"/>
+            </a:solidFill>
+            <a:ln>
+              <a:noFill/>
+            </a:ln>
+          </p:spPr>
+          <p:style>
+            <a:lnRef idx="2">
+              <a:schemeClr val="accent1">
+                <a:shade val="50000"/>
+              </a:schemeClr>
+            </a:lnRef>
+            <a:fillRef idx="1">
+              <a:schemeClr val="accent1"/>
+            </a:fillRef>
+            <a:effectRef idx="0">
+              <a:schemeClr val="accent1"/>
+            </a:effectRef>
+            <a:fontRef idx="minor">
+              <a:schemeClr val="lt1"/>
+            </a:fontRef>
+          </p:style>
+          <p:txBody>
+            <a:bodyPr rtlCol="0" anchor="ctr"/>
+            <a:lstStyle/>
+            <a:p>
+              <a:pPr algn="ctr"/>
+              <a:endParaRPr lang="pt-BR" dirty="0"/>
+            </a:p>
+          </p:txBody>
+        </p:sp>
+        <p:pic>
+          <p:nvPicPr>
+            <p:cNvPr id="22" name="Imagem 21">
+              <a:extLst>
+                <a:ext uri="{FF2B5EF4-FFF2-40B4-BE49-F238E27FC236}">
+                  <a16:creationId xmlns:a16="http://schemas.microsoft.com/office/drawing/2014/main" id="{60716673-3066-2B11-2D2A-8B216313A9C8}"/>
+                </a:ext>
+              </a:extLst>
+            </p:cNvPr>
+            <p:cNvPicPr>
+              <a:picLocks noChangeAspect="1"/>
+            </p:cNvPicPr>
+            <p:nvPr/>
+          </p:nvPicPr>
+          <p:blipFill rotWithShape="1">
+            <a:blip r:embed="rId3"/>
+            <a:srcRect t="306"/>
+            <a:stretch/>
+          </p:blipFill>
+          <p:spPr>
+            <a:xfrm rot="1634098">
+              <a:off x="554375" y="745456"/>
+              <a:ext cx="4113161" cy="6837034"/>
+            </a:xfrm>
+            <a:prstGeom prst="rect">
+              <a:avLst/>
+            </a:prstGeom>
+          </p:spPr>
+        </p:pic>
+        <p:pic>
+          <p:nvPicPr>
+            <p:cNvPr id="23" name="Imagem 22">
+              <a:extLst>
+                <a:ext uri="{FF2B5EF4-FFF2-40B4-BE49-F238E27FC236}">
+                  <a16:creationId xmlns:a16="http://schemas.microsoft.com/office/drawing/2014/main" id="{45029071-AE4B-5395-A9C4-AEC7AA7D20E9}"/>
+                </a:ext>
+              </a:extLst>
+            </p:cNvPr>
+            <p:cNvPicPr>
+              <a:picLocks noChangeAspect="1"/>
+            </p:cNvPicPr>
+            <p:nvPr/>
+          </p:nvPicPr>
+          <p:blipFill>
+            <a:blip r:embed="rId4"/>
+            <a:stretch>
+              <a:fillRect/>
+            </a:stretch>
+          </p:blipFill>
+          <p:spPr>
+            <a:xfrm rot="1249275" flipH="1">
+              <a:off x="-4989442" y="-711995"/>
+              <a:ext cx="14255337" cy="10138927"/>
+            </a:xfrm>
+            <a:prstGeom prst="rect">
+              <a:avLst/>
+            </a:prstGeom>
+          </p:spPr>
+        </p:pic>
+      </p:grpSp>
+      <p:sp>
+        <p:nvSpPr>
+          <p:cNvPr id="24" name="CaixaDeTexto 23">
+            <a:extLst>
+              <a:ext uri="{FF2B5EF4-FFF2-40B4-BE49-F238E27FC236}">
+                <a16:creationId xmlns:a16="http://schemas.microsoft.com/office/drawing/2014/main" id="{898E9517-FB55-9653-4A19-BFC0E00ED96B}"/>
+              </a:ext>
+            </a:extLst>
+          </p:cNvPr>
+          <p:cNvSpPr txBox="1"/>
+          <p:nvPr/>
+        </p:nvSpPr>
+        <p:spPr>
+          <a:xfrm>
+            <a:off x="6955419" y="6416459"/>
+            <a:ext cx="2560200" cy="369332"/>
+          </a:xfrm>
+          <a:prstGeom prst="rect">
+            <a:avLst/>
+          </a:prstGeom>
+          <a:noFill/>
+        </p:spPr>
+        <p:txBody>
+          <a:bodyPr wrap="square" rtlCol="0">
+            <a:spAutoFit/>
+          </a:bodyPr>
+          <a:lstStyle/>
+          <a:p>
+            <a:r>
+              <a:rPr lang="pt-BR" b="1" dirty="0">
+                <a:solidFill>
+                  <a:srgbClr val="B571FF"/>
+                </a:solidFill>
+                <a:latin typeface="Montserrat" pitchFamily="2" charset="0"/>
+              </a:rPr>
+              <a:t>@shannonempresa</a:t>
+            </a:r>
+          </a:p>
+        </p:txBody>
+      </p:sp>
+      <p:pic>
+        <p:nvPicPr>
+          <p:cNvPr id="26" name="Imagem 25" descr="Ícone&#10;&#10;Descrição gerada automaticamente">
+            <a:extLst>
+              <a:ext uri="{FF2B5EF4-FFF2-40B4-BE49-F238E27FC236}">
+                <a16:creationId xmlns:a16="http://schemas.microsoft.com/office/drawing/2014/main" id="{68BC792A-1D4E-F664-7711-ED69E66CE4C3}"/>
+              </a:ext>
+            </a:extLst>
+          </p:cNvPr>
+          <p:cNvPicPr>
+            <a:picLocks noChangeAspect="1"/>
+          </p:cNvPicPr>
+          <p:nvPr/>
+        </p:nvPicPr>
+        <p:blipFill>
+          <a:blip r:embed="rId5">
+            <a:duotone>
+              <a:prstClr val="black"/>
+              <a:srgbClr val="B571FF">
+                <a:tint val="45000"/>
+                <a:satMod val="400000"/>
+              </a:srgbClr>
+            </a:duotone>
+            <a:extLst>
+              <a:ext uri="{28A0092B-C50C-407E-A947-70E740481C1C}">
+                <a14:useLocalDpi xmlns:a14="http://schemas.microsoft.com/office/drawing/2010/main" val="0"/>
+              </a:ext>
+            </a:extLst>
+          </a:blip>
           <a:stretch>
             <a:fillRect/>
           </a:stretch>
         </p:blipFill>
         <p:spPr>
           <a:xfrm>
-            <a:off x="3901604" y="0"/>
-            <a:ext cx="4388792" cy="6858000"/>
+            <a:off x="6783315" y="6488081"/>
+            <a:ext cx="226088" cy="226088"/>
           </a:xfrm>
           <a:prstGeom prst="rect">
             <a:avLst/>
           </a:prstGeom>
+          <a:noFill/>
         </p:spPr>
       </p:pic>
     </p:spTree>
     <p:extLst>
       <p:ext uri="{BB962C8B-B14F-4D97-AF65-F5344CB8AC3E}">
-        <p14:creationId xmlns:p14="http://schemas.microsoft.com/office/powerpoint/2010/main" val="2284105406"/>
+        <p14:creationId xmlns:p14="http://schemas.microsoft.com/office/powerpoint/2010/main" val="205913154"/>
       </p:ext>
     </p:extLst>
   </p:cSld>
